--- a/apresentacao_pontoapp.pptx
+++ b/apresentacao_pontoapp.pptx
@@ -8,9 +8,10 @@
     <p:sldId id="256" r:id="rId2"/>
     <p:sldId id="257" r:id="rId3"/>
     <p:sldId id="258" r:id="rId4"/>
-    <p:sldId id="261" r:id="rId5"/>
-    <p:sldId id="260" r:id="rId6"/>
-    <p:sldId id="259" r:id="rId7"/>
+    <p:sldId id="262" r:id="rId5"/>
+    <p:sldId id="261" r:id="rId6"/>
+    <p:sldId id="260" r:id="rId7"/>
+    <p:sldId id="259" r:id="rId8"/>
   </p:sldIdLst>
   <p:sldSz cx="12192000" cy="6858000"/>
   <p:notesSz cx="6858000" cy="9144000"/>
@@ -121,7 +122,10 @@
 <p1510:revInfo xmlns:a="http://schemas.openxmlformats.org/drawingml/2006/main" xmlns:r="http://schemas.openxmlformats.org/officeDocument/2006/relationships" xmlns:p1510="http://schemas.microsoft.com/office/powerpoint/2015/10/main">
   <p1510:revLst>
     <p1510:client id="{32412EF4-47F1-4D14-A992-B19198EBADE5}" v="569" dt="2023-08-18T15:49:19.198"/>
+    <p1510:client id="{4F3DBEFD-EE03-4413-97D0-298EC1DCBC84}" v="109" dt="2023-08-28T04:09:25.395"/>
     <p1510:client id="{7F4B553D-7608-4B20-92EB-3695F1B7DE72}" v="942" dt="2023-08-19T03:31:12.767"/>
+    <p1510:client id="{E55C9F4F-F524-40CA-A787-BEC76D7BDA18}" v="931" dt="2023-08-28T03:42:17.465"/>
+    <p1510:client id="{FBE41650-E105-4EAC-BD83-5BA60DA423EF}" v="36" dt="2023-08-28T03:46:35.159"/>
     <p1510:client id="{FFB7C9DE-4149-4CD2-82E8-3680FC23764A}" v="17" dt="2023-08-19T15:29:48.538"/>
   </p1510:revLst>
 </p1510:revInfo>
@@ -258,7 +262,7 @@
           <a:p>
             <a:fld id="{F0E51C7C-CEA3-4CAA-BE4B-344879E7C377}" type="datetimeFigureOut">
               <a:rPr lang="de-DE" smtClean="0"/>
-              <a:t>19.08.2023</a:t>
+              <a:t>27.08.2023</a:t>
             </a:fld>
             <a:endParaRPr lang="de-DE"/>
           </a:p>
@@ -428,7 +432,7 @@
           <a:p>
             <a:fld id="{F0E51C7C-CEA3-4CAA-BE4B-344879E7C377}" type="datetimeFigureOut">
               <a:rPr lang="de-DE" smtClean="0"/>
-              <a:t>19.08.2023</a:t>
+              <a:t>27.08.2023</a:t>
             </a:fld>
             <a:endParaRPr lang="de-DE"/>
           </a:p>
@@ -608,7 +612,7 @@
           <a:p>
             <a:fld id="{F0E51C7C-CEA3-4CAA-BE4B-344879E7C377}" type="datetimeFigureOut">
               <a:rPr lang="de-DE" smtClean="0"/>
-              <a:t>19.08.2023</a:t>
+              <a:t>27.08.2023</a:t>
             </a:fld>
             <a:endParaRPr lang="de-DE"/>
           </a:p>
@@ -778,7 +782,7 @@
           <a:p>
             <a:fld id="{F0E51C7C-CEA3-4CAA-BE4B-344879E7C377}" type="datetimeFigureOut">
               <a:rPr lang="de-DE" smtClean="0"/>
-              <a:t>19.08.2023</a:t>
+              <a:t>27.08.2023</a:t>
             </a:fld>
             <a:endParaRPr lang="de-DE"/>
           </a:p>
@@ -1024,7 +1028,7 @@
           <a:p>
             <a:fld id="{F0E51C7C-CEA3-4CAA-BE4B-344879E7C377}" type="datetimeFigureOut">
               <a:rPr lang="de-DE" smtClean="0"/>
-              <a:t>19.08.2023</a:t>
+              <a:t>27.08.2023</a:t>
             </a:fld>
             <a:endParaRPr lang="de-DE"/>
           </a:p>
@@ -1256,7 +1260,7 @@
           <a:p>
             <a:fld id="{F0E51C7C-CEA3-4CAA-BE4B-344879E7C377}" type="datetimeFigureOut">
               <a:rPr lang="de-DE" smtClean="0"/>
-              <a:t>19.08.2023</a:t>
+              <a:t>27.08.2023</a:t>
             </a:fld>
             <a:endParaRPr lang="de-DE"/>
           </a:p>
@@ -1623,7 +1627,7 @@
           <a:p>
             <a:fld id="{F0E51C7C-CEA3-4CAA-BE4B-344879E7C377}" type="datetimeFigureOut">
               <a:rPr lang="de-DE" smtClean="0"/>
-              <a:t>19.08.2023</a:t>
+              <a:t>27.08.2023</a:t>
             </a:fld>
             <a:endParaRPr lang="de-DE"/>
           </a:p>
@@ -1741,7 +1745,7 @@
           <a:p>
             <a:fld id="{F0E51C7C-CEA3-4CAA-BE4B-344879E7C377}" type="datetimeFigureOut">
               <a:rPr lang="de-DE" smtClean="0"/>
-              <a:t>19.08.2023</a:t>
+              <a:t>27.08.2023</a:t>
             </a:fld>
             <a:endParaRPr lang="de-DE"/>
           </a:p>
@@ -1836,7 +1840,7 @@
           <a:p>
             <a:fld id="{F0E51C7C-CEA3-4CAA-BE4B-344879E7C377}" type="datetimeFigureOut">
               <a:rPr lang="de-DE" smtClean="0"/>
-              <a:t>19.08.2023</a:t>
+              <a:t>27.08.2023</a:t>
             </a:fld>
             <a:endParaRPr lang="de-DE"/>
           </a:p>
@@ -2113,7 +2117,7 @@
           <a:p>
             <a:fld id="{F0E51C7C-CEA3-4CAA-BE4B-344879E7C377}" type="datetimeFigureOut">
               <a:rPr lang="de-DE" smtClean="0"/>
-              <a:t>19.08.2023</a:t>
+              <a:t>27.08.2023</a:t>
             </a:fld>
             <a:endParaRPr lang="de-DE"/>
           </a:p>
@@ -2366,7 +2370,7 @@
           <a:p>
             <a:fld id="{F0E51C7C-CEA3-4CAA-BE4B-344879E7C377}" type="datetimeFigureOut">
               <a:rPr lang="de-DE" smtClean="0"/>
-              <a:t>19.08.2023</a:t>
+              <a:t>27.08.2023</a:t>
             </a:fld>
             <a:endParaRPr lang="de-DE"/>
           </a:p>
@@ -2579,7 +2583,7 @@
           <a:p>
             <a:fld id="{F0E51C7C-CEA3-4CAA-BE4B-344879E7C377}" type="datetimeFigureOut">
               <a:rPr lang="de-DE" smtClean="0"/>
-              <a:t>19.08.2023</a:t>
+              <a:t>27.08.2023</a:t>
             </a:fld>
             <a:endParaRPr lang="de-DE"/>
           </a:p>
@@ -3162,7 +3166,7 @@
           <a:lstStyle/>
           <a:p>
             <a:pPr algn="ctr"/>
-            <a:endParaRPr lang="en-US" dirty="0"/>
+            <a:endParaRPr lang="en-US"/>
           </a:p>
         </p:txBody>
       </p:sp>
@@ -3190,7 +3194,7 @@
           <a:p>
             <a:pPr algn="l"/>
             <a:r>
-              <a:rPr lang="de-DE" sz="6600" dirty="0">
+              <a:rPr lang="de-DE" sz="6600">
                 <a:solidFill>
                   <a:schemeClr val="bg1"/>
                 </a:solidFill>
@@ -3210,7 +3214,7 @@
               </a:rPr>
             </a:br>
             <a:r>
-              <a:rPr lang="de-DE" sz="6600" dirty="0">
+              <a:rPr lang="de-DE" sz="6600">
                 <a:solidFill>
                   <a:schemeClr val="bg1"/>
                 </a:solidFill>
@@ -3312,7 +3316,7 @@
           <a:p>
             <a:pPr algn="l"/>
             <a:r>
-              <a:rPr lang="de-DE" sz="1400" dirty="0" err="1">
+              <a:rPr lang="de-DE" sz="1400" err="1">
                 <a:solidFill>
                   <a:schemeClr val="bg1"/>
                 </a:solidFill>
@@ -3323,7 +3327,7 @@
               <a:t>Projeto</a:t>
             </a:r>
             <a:r>
-              <a:rPr lang="de-DE" sz="1400" dirty="0">
+              <a:rPr lang="de-DE" sz="1400">
                 <a:solidFill>
                   <a:schemeClr val="bg1"/>
                 </a:solidFill>
@@ -3334,7 +3338,7 @@
               <a:t> do </a:t>
             </a:r>
             <a:r>
-              <a:rPr lang="de-DE" sz="1400" dirty="0" err="1">
+              <a:rPr lang="de-DE" sz="1400" err="1">
                 <a:solidFill>
                   <a:schemeClr val="bg1"/>
                 </a:solidFill>
@@ -3345,7 +3349,7 @@
               <a:t>segundo</a:t>
             </a:r>
             <a:r>
-              <a:rPr lang="de-DE" sz="1400" dirty="0">
+              <a:rPr lang="de-DE" sz="1400">
                 <a:solidFill>
                   <a:schemeClr val="bg1"/>
                 </a:solidFill>
@@ -3356,7 +3360,7 @@
               <a:t> </a:t>
             </a:r>
             <a:r>
-              <a:rPr lang="de-DE" sz="1400" dirty="0" err="1">
+              <a:rPr lang="de-DE" sz="1400" err="1">
                 <a:solidFill>
                   <a:schemeClr val="bg1"/>
                 </a:solidFill>
@@ -3367,7 +3371,7 @@
               <a:t>semestre</a:t>
             </a:r>
             <a:r>
-              <a:rPr lang="de-DE" sz="1400" dirty="0">
+              <a:rPr lang="de-DE" sz="1400">
                 <a:solidFill>
                   <a:schemeClr val="bg1"/>
                 </a:solidFill>
@@ -3378,7 +3382,7 @@
               <a:t> de </a:t>
             </a:r>
             <a:r>
-              <a:rPr lang="de-DE" sz="1400" dirty="0" err="1">
+              <a:rPr lang="de-DE" sz="1400" err="1">
                 <a:solidFill>
                   <a:schemeClr val="bg1"/>
                 </a:solidFill>
@@ -3389,7 +3393,7 @@
               <a:t>Análise</a:t>
             </a:r>
             <a:r>
-              <a:rPr lang="de-DE" sz="1400" dirty="0">
+              <a:rPr lang="de-DE" sz="1400">
                 <a:solidFill>
                   <a:schemeClr val="bg1"/>
                 </a:solidFill>
@@ -3400,7 +3404,7 @@
               <a:t> e </a:t>
             </a:r>
             <a:r>
-              <a:rPr lang="de-DE" sz="1400" dirty="0" err="1">
+              <a:rPr lang="de-DE" sz="1400" err="1">
                 <a:solidFill>
                   <a:schemeClr val="bg1"/>
                 </a:solidFill>
@@ -3408,10 +3412,10 @@
                 <a:ea typeface="Tahoma"/>
                 <a:cs typeface="Calibri"/>
               </a:rPr>
-              <a:t>Deenvolvimento</a:t>
-            </a:r>
-            <a:r>
-              <a:rPr lang="de-DE" sz="1400" dirty="0">
+              <a:t>Desenvolvimento</a:t>
+            </a:r>
+            <a:r>
+              <a:rPr lang="de-DE" sz="1400">
                 <a:solidFill>
                   <a:schemeClr val="bg1"/>
                 </a:solidFill>
@@ -3422,7 +3426,7 @@
               <a:t> de </a:t>
             </a:r>
             <a:r>
-              <a:rPr lang="de-DE" sz="1400" dirty="0" err="1">
+              <a:rPr lang="de-DE" sz="1400" err="1">
                 <a:solidFill>
                   <a:schemeClr val="bg1"/>
                 </a:solidFill>
@@ -3433,7 +3437,7 @@
               <a:t>Sistemas</a:t>
             </a:r>
             <a:r>
-              <a:rPr lang="de-DE" sz="1400" dirty="0">
+              <a:rPr lang="de-DE" sz="1400">
                 <a:solidFill>
                   <a:schemeClr val="bg1"/>
                 </a:solidFill>
@@ -3444,7 +3448,7 @@
               <a:t> </a:t>
             </a:r>
             <a:r>
-              <a:rPr lang="de-DE" sz="1400" dirty="0" err="1">
+              <a:rPr lang="de-DE" sz="1400" err="1">
                 <a:solidFill>
                   <a:schemeClr val="bg1"/>
                 </a:solidFill>
@@ -3455,7 +3459,7 @@
               <a:t>orientado</a:t>
             </a:r>
             <a:r>
-              <a:rPr lang="de-DE" sz="1400" dirty="0">
+              <a:rPr lang="de-DE" sz="1400">
                 <a:solidFill>
                   <a:schemeClr val="bg1"/>
                 </a:solidFill>
@@ -3466,7 +3470,7 @@
               <a:t> </a:t>
             </a:r>
             <a:r>
-              <a:rPr lang="de-DE" sz="1400" dirty="0" err="1">
+              <a:rPr lang="de-DE" sz="1400" err="1">
                 <a:solidFill>
                   <a:schemeClr val="bg1"/>
                 </a:solidFill>
@@ -3477,7 +3481,7 @@
               <a:t>pelo</a:t>
             </a:r>
             <a:r>
-              <a:rPr lang="de-DE" sz="1400" dirty="0">
+              <a:rPr lang="de-DE" sz="1400">
                 <a:solidFill>
                   <a:schemeClr val="bg1"/>
                 </a:solidFill>
@@ -3488,7 +3492,7 @@
               <a:t> </a:t>
             </a:r>
             <a:r>
-              <a:rPr lang="de-DE" sz="1400" dirty="0" err="1">
+              <a:rPr lang="de-DE" sz="1400" err="1">
                 <a:solidFill>
                   <a:schemeClr val="bg1"/>
                 </a:solidFill>
@@ -3499,7 +3503,7 @@
               <a:t>professor</a:t>
             </a:r>
             <a:r>
-              <a:rPr lang="de-DE" sz="1400" dirty="0">
+              <a:rPr lang="de-DE" sz="1400">
                 <a:solidFill>
                   <a:schemeClr val="bg1"/>
                 </a:solidFill>
@@ -3510,7 +3514,7 @@
               <a:t> </a:t>
             </a:r>
             <a:r>
-              <a:rPr lang="de-DE" sz="1400" dirty="0" err="1">
+              <a:rPr lang="de-DE" sz="1400" err="1">
                 <a:solidFill>
                   <a:schemeClr val="bg1"/>
                 </a:solidFill>
@@ -3521,7 +3525,7 @@
               <a:t>Murilo</a:t>
             </a:r>
             <a:r>
-              <a:rPr lang="de-DE" sz="1400" dirty="0">
+              <a:rPr lang="de-DE" sz="1400">
                 <a:solidFill>
                   <a:schemeClr val="bg1"/>
                 </a:solidFill>
@@ -3532,7 +3536,7 @@
               <a:t> </a:t>
             </a:r>
             <a:r>
-              <a:rPr lang="de-DE" sz="1400" dirty="0" err="1">
+              <a:rPr lang="de-DE" sz="1400" err="1">
                 <a:solidFill>
                   <a:schemeClr val="bg1"/>
                 </a:solidFill>
@@ -3542,7 +3546,7 @@
               </a:rPr>
               <a:t>Dantas</a:t>
             </a:r>
-            <a:endParaRPr lang="de-DE" sz="1400" dirty="0">
+            <a:endParaRPr lang="de-DE" sz="1400">
               <a:solidFill>
                 <a:schemeClr val="bg1"/>
               </a:solidFill>
@@ -3565,7 +3569,7 @@
               <a:t>Instituto</a:t>
             </a:r>
             <a:r>
-              <a:rPr lang="de-DE" sz="1400" dirty="0">
+              <a:rPr lang="de-DE" sz="1400">
                 <a:solidFill>
                   <a:schemeClr val="bg1"/>
                 </a:solidFill>
@@ -3587,7 +3591,7 @@
               <a:t>Ciência</a:t>
             </a:r>
             <a:r>
-              <a:rPr lang="de-DE" sz="1400" dirty="0">
+              <a:rPr lang="de-DE" sz="1400">
                 <a:solidFill>
                   <a:schemeClr val="bg1"/>
                 </a:solidFill>
@@ -3609,7 +3613,7 @@
               <a:t>Tecnologia</a:t>
             </a:r>
             <a:r>
-              <a:rPr lang="de-DE" sz="1400" dirty="0">
+              <a:rPr lang="de-DE" sz="1400">
                 <a:solidFill>
                   <a:schemeClr val="bg1"/>
                 </a:solidFill>
@@ -3631,7 +3635,7 @@
               <a:t>Câmpus</a:t>
             </a:r>
             <a:r>
-              <a:rPr lang="de-DE" sz="1400" dirty="0">
+              <a:rPr lang="de-DE" sz="1400">
                 <a:solidFill>
                   <a:schemeClr val="bg1"/>
                 </a:solidFill>
@@ -3807,7 +3811,7 @@
           <a:p>
             <a:pPr algn="l"/>
             <a:r>
-              <a:rPr lang="de-DE" sz="2000" dirty="0">
+              <a:rPr lang="de-DE" sz="2000">
                 <a:solidFill>
                   <a:schemeClr val="bg1"/>
                 </a:solidFill>
@@ -3821,7 +3825,7 @@
           <a:p>
             <a:pPr algn="l"/>
             <a:r>
-              <a:rPr lang="de-DE" sz="2000" dirty="0">
+              <a:rPr lang="de-DE" sz="2000">
                 <a:solidFill>
                   <a:schemeClr val="bg1"/>
                 </a:solidFill>
@@ -3961,14 +3965,11 @@
           <a:lstStyle/>
           <a:p>
             <a:r>
-              <a:rPr lang="pt-BR" sz="4000" dirty="0">
+              <a:rPr lang="pt-BR" sz="4000">
                 <a:cs typeface="Calibri Light"/>
               </a:rPr>
               <a:t>O que é um ponto digital?</a:t>
             </a:r>
-            <a:endParaRPr lang="pt-BR" sz="4000">
-              <a:cs typeface="Calibri Light"/>
-            </a:endParaRPr>
           </a:p>
         </p:txBody>
       </p:sp>
@@ -4121,7 +4122,7 @@
           <a:lstStyle/>
           <a:p>
             <a:r>
-              <a:rPr lang="pt-BR" dirty="0">
+              <a:rPr lang="pt-BR">
                 <a:cs typeface="Calibri"/>
               </a:rPr>
               <a:t>Organiza o fluxo de funcionários</a:t>
@@ -4129,7 +4130,7 @@
           </a:p>
           <a:p>
             <a:r>
-              <a:rPr lang="pt-BR" dirty="0">
+              <a:rPr lang="pt-BR">
                 <a:cs typeface="Calibri"/>
               </a:rPr>
               <a:t>Evolução de práticas anteriores</a:t>
@@ -4137,7 +4138,7 @@
           </a:p>
           <a:p>
             <a:r>
-              <a:rPr lang="pt-BR" dirty="0">
+              <a:rPr lang="pt-BR">
                 <a:cs typeface="Calibri"/>
               </a:rPr>
               <a:t>Não precisa de instalação física</a:t>
@@ -4145,7 +4146,7 @@
           </a:p>
           <a:p>
             <a:r>
-              <a:rPr lang="pt-BR" dirty="0">
+              <a:rPr lang="pt-BR">
                 <a:cs typeface="Calibri"/>
               </a:rPr>
               <a:t>Alternativa prática e econômica</a:t>
@@ -4153,7 +4154,7 @@
           </a:p>
           <a:p>
             <a:r>
-              <a:rPr lang="pt-BR" dirty="0">
+              <a:rPr lang="pt-BR">
                 <a:cs typeface="Calibri"/>
               </a:rPr>
               <a:t>Informação em tempo real</a:t>
@@ -4161,7 +4162,7 @@
           </a:p>
           <a:p>
             <a:r>
-              <a:rPr lang="pt-BR" dirty="0">
+              <a:rPr lang="pt-BR">
                 <a:cs typeface="Calibri"/>
               </a:rPr>
               <a:t>Dificuldade em violar os dados</a:t>
@@ -4169,14 +4170,14 @@
           </a:p>
           <a:p>
             <a:r>
-              <a:rPr lang="pt-BR" dirty="0">
+              <a:rPr lang="pt-BR">
                 <a:cs typeface="Calibri"/>
               </a:rPr>
               <a:t>Pode ser usado em home office</a:t>
             </a:r>
           </a:p>
           <a:p>
-            <a:endParaRPr lang="pt-BR" dirty="0">
+            <a:endParaRPr lang="pt-BR">
               <a:cs typeface="Calibri"/>
             </a:endParaRPr>
           </a:p>
@@ -4241,7 +4242,7 @@
           <a:lstStyle/>
           <a:p>
             <a:pPr algn="ctr"/>
-            <a:endParaRPr lang="en-US" dirty="0"/>
+            <a:endParaRPr lang="en-US"/>
           </a:p>
         </p:txBody>
       </p:sp>
@@ -4471,7 +4472,7 @@
           <a:bodyPr rtlCol="0" anchor="ctr"/>
           <a:lstStyle/>
           <a:p>
-            <a:endParaRPr lang="en-US" dirty="0"/>
+            <a:endParaRPr lang="en-US"/>
           </a:p>
         </p:txBody>
       </p:sp>
@@ -4736,7 +4737,7 @@
           <a:lstStyle/>
           <a:p>
             <a:pPr algn="ctr"/>
-            <a:endParaRPr lang="en-US" dirty="0"/>
+            <a:endParaRPr lang="en-US"/>
           </a:p>
         </p:txBody>
       </p:sp>
@@ -5076,7 +5077,7 @@
           <a:lstStyle/>
           <a:p>
             <a:r>
-              <a:rPr lang="pt-BR" dirty="0">
+              <a:rPr lang="pt-BR">
                 <a:solidFill>
                   <a:srgbClr val="FFFFFF"/>
                 </a:solidFill>
@@ -5084,7 +5085,7 @@
               </a:rPr>
               <a:t>Qual é a sua importância?</a:t>
             </a:r>
-            <a:endParaRPr lang="pt-BR" dirty="0">
+            <a:endParaRPr lang="pt-BR">
               <a:solidFill>
                 <a:srgbClr val="FFFFFF"/>
               </a:solidFill>
@@ -5310,7 +5311,7 @@
               <a:rPr lang="pt-BR" dirty="0">
                 <a:cs typeface="Calibri"/>
               </a:rPr>
-              <a:t>Com mais de 20 funcionários é lei</a:t>
+              <a:t>Acima de 20 funcionários se torna obrigatório</a:t>
             </a:r>
           </a:p>
           <a:p>
@@ -5326,7 +5327,7 @@
               <a:rPr lang="pt-BR" dirty="0">
                 <a:cs typeface="Calibri"/>
               </a:rPr>
-              <a:t>Ajuda a calcular salários</a:t>
+              <a:t>Ajuda a calcular os salários</a:t>
             </a:r>
           </a:p>
           <a:p>
@@ -5593,13 +5594,26 @@
           </a:bodyPr>
           <a:lstStyle/>
           <a:p>
-            <a:r>
-              <a:rPr lang="pt-BR" dirty="0">
-                <a:cs typeface="Calibri Light"/>
-              </a:rPr>
-              <a:t>Apresentação do Programa</a:t>
-            </a:r>
-            <a:endParaRPr lang="pt-BR" dirty="0"/>
+            <a:pPr algn="ctr"/>
+            <a:r>
+              <a:rPr lang="en-US" sz="3600" cap="all">
+                <a:latin typeface="Calibri"/>
+                <a:ea typeface="+mj-lt"/>
+                <a:cs typeface="+mj-lt"/>
+              </a:rPr>
+              <a:t>PORTARIA 671, REP-P E LEGISLAÇÃO</a:t>
+            </a:r>
+            <a:endParaRPr lang="pt-BR" sz="3600">
+              <a:latin typeface="Calibri"/>
+              <a:ea typeface="+mj-lt"/>
+              <a:cs typeface="+mj-lt"/>
+            </a:endParaRPr>
+          </a:p>
+          <a:p>
+            <a:endParaRPr lang="pt-BR">
+              <a:latin typeface="Calibri"/>
+              <a:cs typeface="Calibri Light"/>
+            </a:endParaRPr>
           </a:p>
         </p:txBody>
       </p:sp>
@@ -5660,7 +5674,7 @@
           <a:lstStyle/>
           <a:p>
             <a:pPr algn="ctr"/>
-            <a:endParaRPr lang="en-US" dirty="0"/>
+            <a:endParaRPr lang="en-US"/>
           </a:p>
         </p:txBody>
       </p:sp>
@@ -5682,8 +5696,8 @@
         </p:nvSpPr>
         <p:spPr>
           <a:xfrm>
-            <a:off x="838200" y="1825625"/>
-            <a:ext cx="10515600" cy="4351338"/>
+            <a:off x="838200" y="1261548"/>
+            <a:ext cx="6735289" cy="3599234"/>
           </a:xfrm>
         </p:spPr>
         <p:txBody>
@@ -5692,95 +5706,486 @@
           </a:bodyPr>
           <a:lstStyle/>
           <a:p>
-            <a:r>
-              <a:rPr lang="pt-BR" dirty="0">
-                <a:cs typeface="Calibri"/>
-              </a:rPr>
-              <a:t>Layout para interação mais confortável</a:t>
-            </a:r>
-          </a:p>
-          <a:p>
-            <a:r>
-              <a:rPr lang="pt-BR" dirty="0">
-                <a:cs typeface="Calibri"/>
-              </a:rPr>
-              <a:t>Cadastro e remoção de usuários</a:t>
-            </a:r>
-            <a:endParaRPr lang="pt-BR" dirty="0"/>
-          </a:p>
-          <a:p>
-            <a:r>
-              <a:rPr lang="pt-BR" dirty="0">
-                <a:cs typeface="Calibri"/>
-              </a:rPr>
-              <a:t>Sistema de login</a:t>
-            </a:r>
-          </a:p>
-          <a:p>
-            <a:r>
-              <a:rPr lang="pt-BR" dirty="0">
-                <a:cs typeface="Calibri"/>
-              </a:rPr>
-              <a:t>Lista de status</a:t>
-            </a:r>
-          </a:p>
-          <a:p>
-            <a:endParaRPr lang="pt-BR" dirty="0">
-              <a:ea typeface="+mn-lt"/>
-              <a:cs typeface="+mn-lt"/>
+            <a:pPr>
+              <a:lnSpc>
+                <a:spcPct val="120000"/>
+              </a:lnSpc>
+            </a:pPr>
+            <a:r>
+              <a:rPr lang="en-US" err="1">
+                <a:latin typeface="Calibri"/>
+                <a:cs typeface="Arial"/>
+              </a:rPr>
+              <a:t>Permissão</a:t>
+            </a:r>
+            <a:r>
+              <a:rPr lang="en-US">
+                <a:latin typeface="Calibri"/>
+                <a:cs typeface="Arial"/>
+              </a:rPr>
+              <a:t> INMETRO</a:t>
+            </a:r>
+          </a:p>
+          <a:p>
+            <a:pPr>
+              <a:lnSpc>
+                <a:spcPct val="120000"/>
+              </a:lnSpc>
+            </a:pPr>
+            <a:r>
+              <a:rPr lang="en-US" sz="2400" err="1">
+                <a:latin typeface="Calibri"/>
+                <a:cs typeface="Arial"/>
+              </a:rPr>
+              <a:t>Registro</a:t>
+            </a:r>
+            <a:r>
+              <a:rPr lang="en-US" sz="2400">
+                <a:latin typeface="Calibri"/>
+                <a:cs typeface="Arial"/>
+              </a:rPr>
+              <a:t> </a:t>
+            </a:r>
+            <a:r>
+              <a:rPr lang="en-US" sz="2400" err="1">
+                <a:latin typeface="Calibri"/>
+                <a:cs typeface="Arial"/>
+              </a:rPr>
+              <a:t>eletrônico</a:t>
+            </a:r>
+            <a:r>
+              <a:rPr lang="en-US" sz="2400">
+                <a:latin typeface="Calibri"/>
+                <a:cs typeface="Arial"/>
+              </a:rPr>
+              <a:t> de </a:t>
+            </a:r>
+            <a:r>
+              <a:rPr lang="en-US" sz="2400" err="1">
+                <a:latin typeface="Calibri"/>
+                <a:cs typeface="Arial"/>
+              </a:rPr>
+              <a:t>ponto</a:t>
+            </a:r>
+            <a:r>
+              <a:rPr lang="en-US" sz="2400">
+                <a:latin typeface="Calibri"/>
+                <a:cs typeface="Arial"/>
+              </a:rPr>
+              <a:t> via </a:t>
+            </a:r>
+            <a:r>
+              <a:rPr lang="en-US" sz="2400" err="1">
+                <a:latin typeface="Calibri"/>
+                <a:cs typeface="Arial"/>
+              </a:rPr>
+              <a:t>programa</a:t>
+            </a:r>
+            <a:endParaRPr lang="en-US" sz="2400">
+              <a:latin typeface="Calibri"/>
+              <a:cs typeface="Arial"/>
             </a:endParaRPr>
           </a:p>
           <a:p>
-            <a:r>
-              <a:rPr lang="pt-BR" dirty="0">
+            <a:pPr>
+              <a:lnSpc>
+                <a:spcPct val="120000"/>
+              </a:lnSpc>
+            </a:pPr>
+            <a:r>
+              <a:rPr lang="en-US" err="1">
+                <a:latin typeface="Calibri"/>
+                <a:cs typeface="Arial"/>
+              </a:rPr>
+              <a:t>Certificações</a:t>
+            </a:r>
+            <a:r>
+              <a:rPr lang="en-US">
+                <a:latin typeface="Calibri"/>
+                <a:cs typeface="Arial"/>
+              </a:rPr>
+              <a:t> REP-P:</a:t>
+            </a:r>
+          </a:p>
+          <a:p>
+            <a:pPr>
+              <a:lnSpc>
+                <a:spcPct val="120000"/>
+              </a:lnSpc>
+            </a:pPr>
+            <a:r>
+              <a:rPr lang="en-US" sz="2400">
+                <a:latin typeface="Calibri"/>
+                <a:cs typeface="Arial"/>
+              </a:rPr>
+              <a:t>INPI</a:t>
+            </a:r>
+            <a:r>
+              <a:rPr lang="en-US" sz="2000">
+                <a:latin typeface="Calibri"/>
+                <a:cs typeface="Arial"/>
+              </a:rPr>
+              <a:t>¹</a:t>
+            </a:r>
+            <a:r>
+              <a:rPr lang="en-US" sz="1800">
+                <a:latin typeface="Calibri"/>
+                <a:cs typeface="Arial"/>
+              </a:rPr>
+              <a:t>*</a:t>
+            </a:r>
+            <a:r>
+              <a:rPr lang="en-US" sz="2400">
+                <a:latin typeface="Calibri"/>
+                <a:cs typeface="Arial"/>
+              </a:rPr>
+              <a:t> de </a:t>
+            </a:r>
+            <a:r>
+              <a:rPr lang="en-US" sz="2400" err="1">
+                <a:latin typeface="Calibri"/>
+                <a:cs typeface="Arial"/>
+              </a:rPr>
+              <a:t>registro</a:t>
+            </a:r>
+            <a:r>
+              <a:rPr lang="en-US" sz="2400">
+                <a:latin typeface="Calibri"/>
+                <a:cs typeface="Arial"/>
+              </a:rPr>
+              <a:t> de </a:t>
+            </a:r>
+            <a:r>
+              <a:rPr lang="en-US" sz="2400" err="1">
+                <a:latin typeface="Calibri"/>
+                <a:cs typeface="Arial"/>
+              </a:rPr>
+              <a:t>programa</a:t>
+            </a:r>
+            <a:r>
+              <a:rPr lang="en-US" sz="2400">
+                <a:latin typeface="Calibri"/>
+                <a:cs typeface="Arial"/>
+              </a:rPr>
+              <a:t> de </a:t>
+            </a:r>
+            <a:r>
+              <a:rPr lang="en-US" sz="2400" err="1">
+                <a:latin typeface="Calibri"/>
+                <a:cs typeface="Arial"/>
+              </a:rPr>
+              <a:t>computador</a:t>
+            </a:r>
+            <a:endParaRPr lang="en-US" sz="2400">
+              <a:latin typeface="Calibri"/>
+              <a:cs typeface="Arial"/>
+            </a:endParaRPr>
+          </a:p>
+          <a:p>
+            <a:pPr>
+              <a:lnSpc>
+                <a:spcPct val="120000"/>
+              </a:lnSpc>
+            </a:pPr>
+            <a:r>
+              <a:rPr lang="en-US" sz="2400" err="1">
+                <a:latin typeface="Calibri"/>
+                <a:cs typeface="Arial"/>
+              </a:rPr>
+              <a:t>Assinaturas</a:t>
+            </a:r>
+            <a:r>
+              <a:rPr lang="en-US" sz="2400">
+                <a:latin typeface="Calibri"/>
+                <a:cs typeface="Arial"/>
+              </a:rPr>
+              <a:t> </a:t>
+            </a:r>
+            <a:r>
+              <a:rPr lang="en-US" sz="2400" err="1">
+                <a:latin typeface="Calibri"/>
+                <a:cs typeface="Arial"/>
+              </a:rPr>
+              <a:t>eletrônicas</a:t>
+            </a:r>
+            <a:r>
+              <a:rPr lang="en-US" sz="2400">
+                <a:latin typeface="Calibri"/>
+                <a:cs typeface="Arial"/>
+              </a:rPr>
+              <a:t> (ICP-Brasil</a:t>
+            </a:r>
+            <a:r>
+              <a:rPr lang="en-US" sz="2000">
+                <a:latin typeface="Calibri"/>
+                <a:cs typeface="Arial"/>
+              </a:rPr>
+              <a:t>²</a:t>
+            </a:r>
+            <a:r>
+              <a:rPr lang="en-US" sz="1800">
+                <a:latin typeface="Calibri"/>
+                <a:cs typeface="Arial"/>
+              </a:rPr>
+              <a:t>*</a:t>
+            </a:r>
+            <a:r>
+              <a:rPr lang="en-US" sz="2400">
+                <a:latin typeface="Calibri"/>
+                <a:cs typeface="Arial"/>
+              </a:rPr>
+              <a:t>)</a:t>
+            </a:r>
+          </a:p>
+          <a:p>
+            <a:pPr>
+              <a:lnSpc>
+                <a:spcPct val="120000"/>
+              </a:lnSpc>
+            </a:pPr>
+            <a:r>
+              <a:rPr lang="en-US" sz="2400" err="1">
+                <a:latin typeface="Calibri"/>
+                <a:cs typeface="Arial"/>
+              </a:rPr>
+              <a:t>Sincronização</a:t>
+            </a:r>
+            <a:r>
+              <a:rPr lang="en-US" sz="2400">
+                <a:latin typeface="Calibri"/>
+                <a:cs typeface="Arial"/>
+              </a:rPr>
+              <a:t> com a HLB</a:t>
+            </a:r>
+            <a:r>
+              <a:rPr lang="en-US" sz="2000">
+                <a:latin typeface="Calibri"/>
+                <a:cs typeface="Arial"/>
+              </a:rPr>
+              <a:t>³</a:t>
+            </a:r>
+            <a:r>
+              <a:rPr lang="en-US" sz="1800">
+                <a:latin typeface="Calibri"/>
+                <a:cs typeface="Arial"/>
+              </a:rPr>
+              <a:t>*</a:t>
+            </a:r>
+            <a:endParaRPr lang="pt-BR">
+              <a:latin typeface="Calibri"/>
+            </a:endParaRPr>
+          </a:p>
+        </p:txBody>
+      </p:sp>
+      <p:sp>
+        <p:nvSpPr>
+          <p:cNvPr id="4" name="TextBox 3">
+            <a:extLst>
+              <a:ext uri="{FF2B5EF4-FFF2-40B4-BE49-F238E27FC236}">
+                <a16:creationId xmlns:a16="http://schemas.microsoft.com/office/drawing/2014/main" id="{E9F95E25-4E9D-1CF0-0AD7-3E596C0E8DF2}"/>
+              </a:ext>
+            </a:extLst>
+          </p:cNvPr>
+          <p:cNvSpPr txBox="1"/>
+          <p:nvPr/>
+        </p:nvSpPr>
+        <p:spPr>
+          <a:xfrm>
+            <a:off x="7309894" y="5226339"/>
+            <a:ext cx="4292008" cy="1261884"/>
+          </a:xfrm>
+          <a:prstGeom prst="rect">
+            <a:avLst/>
+          </a:prstGeom>
+          <a:noFill/>
+        </p:spPr>
+        <p:txBody>
+          <a:bodyPr rot="0" spcFirstLastPara="0" vert="horz" wrap="square" lIns="91440" tIns="45720" rIns="91440" bIns="45720" numCol="1" spcCol="0" rtlCol="0" fromWordArt="0" anchor="t" anchorCtr="0" forceAA="0" compatLnSpc="1">
+            <a:prstTxWarp prst="textNoShape">
+              <a:avLst/>
+            </a:prstTxWarp>
+            <a:spAutoFit/>
+          </a:bodyPr>
+          <a:lstStyle>
+            <a:defPPr rtl="0">
+              <a:defRPr lang="pt-BR"/>
+            </a:defPPr>
+            <a:lvl1pPr marL="0" algn="l" defTabSz="457200" rtl="0" eaLnBrk="1" latinLnBrk="0" hangingPunct="1">
+              <a:defRPr sz="1800" kern="1200">
+                <a:solidFill>
+                  <a:schemeClr val="tx1"/>
+                </a:solidFill>
+                <a:latin typeface="+mn-lt"/>
+                <a:ea typeface="+mn-ea"/>
+                <a:cs typeface="+mn-cs"/>
+              </a:defRPr>
+            </a:lvl1pPr>
+            <a:lvl2pPr marL="457200" algn="l" defTabSz="457200" rtl="0" eaLnBrk="1" latinLnBrk="0" hangingPunct="1">
+              <a:defRPr sz="1800" kern="1200">
+                <a:solidFill>
+                  <a:schemeClr val="tx1"/>
+                </a:solidFill>
+                <a:latin typeface="+mn-lt"/>
+                <a:ea typeface="+mn-ea"/>
+                <a:cs typeface="+mn-cs"/>
+              </a:defRPr>
+            </a:lvl2pPr>
+            <a:lvl3pPr marL="914400" algn="l" defTabSz="457200" rtl="0" eaLnBrk="1" latinLnBrk="0" hangingPunct="1">
+              <a:defRPr sz="1800" kern="1200">
+                <a:solidFill>
+                  <a:schemeClr val="tx1"/>
+                </a:solidFill>
+                <a:latin typeface="+mn-lt"/>
+                <a:ea typeface="+mn-ea"/>
+                <a:cs typeface="+mn-cs"/>
+              </a:defRPr>
+            </a:lvl3pPr>
+            <a:lvl4pPr marL="1371600" algn="l" defTabSz="457200" rtl="0" eaLnBrk="1" latinLnBrk="0" hangingPunct="1">
+              <a:defRPr sz="1800" kern="1200">
+                <a:solidFill>
+                  <a:schemeClr val="tx1"/>
+                </a:solidFill>
+                <a:latin typeface="+mn-lt"/>
+                <a:ea typeface="+mn-ea"/>
+                <a:cs typeface="+mn-cs"/>
+              </a:defRPr>
+            </a:lvl4pPr>
+            <a:lvl5pPr marL="1828800" algn="l" defTabSz="457200" rtl="0" eaLnBrk="1" latinLnBrk="0" hangingPunct="1">
+              <a:defRPr sz="1800" kern="1200">
+                <a:solidFill>
+                  <a:schemeClr val="tx1"/>
+                </a:solidFill>
+                <a:latin typeface="+mn-lt"/>
+                <a:ea typeface="+mn-ea"/>
+                <a:cs typeface="+mn-cs"/>
+              </a:defRPr>
+            </a:lvl5pPr>
+            <a:lvl6pPr marL="2286000" algn="l" defTabSz="457200" rtl="0" eaLnBrk="1" latinLnBrk="0" hangingPunct="1">
+              <a:defRPr sz="1800" kern="1200">
+                <a:solidFill>
+                  <a:schemeClr val="tx1"/>
+                </a:solidFill>
+                <a:latin typeface="+mn-lt"/>
+                <a:ea typeface="+mn-ea"/>
+                <a:cs typeface="+mn-cs"/>
+              </a:defRPr>
+            </a:lvl6pPr>
+            <a:lvl7pPr marL="2743200" algn="l" defTabSz="457200" rtl="0" eaLnBrk="1" latinLnBrk="0" hangingPunct="1">
+              <a:defRPr sz="1800" kern="1200">
+                <a:solidFill>
+                  <a:schemeClr val="tx1"/>
+                </a:solidFill>
+                <a:latin typeface="+mn-lt"/>
+                <a:ea typeface="+mn-ea"/>
+                <a:cs typeface="+mn-cs"/>
+              </a:defRPr>
+            </a:lvl7pPr>
+            <a:lvl8pPr marL="3200400" algn="l" defTabSz="457200" rtl="0" eaLnBrk="1" latinLnBrk="0" hangingPunct="1">
+              <a:defRPr sz="1800" kern="1200">
+                <a:solidFill>
+                  <a:schemeClr val="tx1"/>
+                </a:solidFill>
+                <a:latin typeface="+mn-lt"/>
+                <a:ea typeface="+mn-ea"/>
+                <a:cs typeface="+mn-cs"/>
+              </a:defRPr>
+            </a:lvl8pPr>
+            <a:lvl9pPr marL="3657600" algn="l" defTabSz="457200" rtl="0" eaLnBrk="1" latinLnBrk="0" hangingPunct="1">
+              <a:defRPr sz="1800" kern="1200">
+                <a:solidFill>
+                  <a:schemeClr val="tx1"/>
+                </a:solidFill>
+                <a:latin typeface="+mn-lt"/>
+                <a:ea typeface="+mn-ea"/>
+                <a:cs typeface="+mn-cs"/>
+              </a:defRPr>
+            </a:lvl9pPr>
+          </a:lstStyle>
+          <a:p>
+            <a:r>
+              <a:rPr lang="en-US" sz="2000">
                 <a:ea typeface="+mn-lt"/>
                 <a:cs typeface="+mn-lt"/>
               </a:rPr>
-              <a:t>Protótipo:</a:t>
-            </a:r>
-          </a:p>
-          <a:p>
-            <a:r>
-              <a:rPr lang="pt-BR" dirty="0">
+              <a:t>  ¹*</a:t>
+            </a:r>
+            <a:r>
+              <a:rPr lang="en-US" sz="1600">
                 <a:ea typeface="+mn-lt"/>
                 <a:cs typeface="+mn-lt"/>
-                <a:hlinkClick r:id="rId2"/>
-              </a:rPr>
-              <a:t>https://github.com/entomo05/pontoapp</a:t>
-            </a:r>
-            <a:endParaRPr lang="pt-BR" dirty="0">
-              <a:ea typeface="+mn-lt"/>
-              <a:cs typeface="+mn-lt"/>
-            </a:endParaRPr>
-          </a:p>
-          <a:p>
-            <a:pPr marL="0" indent="0">
-              <a:buNone/>
-            </a:pPr>
-            <a:r>
-              <a:rPr lang="pt-BR" dirty="0" err="1">
+              </a:rPr>
+              <a:t>Instituto Nacional da </a:t>
+            </a:r>
+            <a:r>
+              <a:rPr lang="en-US" sz="1600" err="1">
                 <a:ea typeface="+mn-lt"/>
                 <a:cs typeface="+mn-lt"/>
               </a:rPr>
-              <a:t>ontoapp</a:t>
-            </a:r>
-            <a:r>
-              <a:rPr lang="pt-BR" dirty="0">
+              <a:t>Propriedade</a:t>
+            </a:r>
+            <a:r>
+              <a:rPr lang="en-US" sz="1600">
                 <a:ea typeface="+mn-lt"/>
                 <a:cs typeface="+mn-lt"/>
               </a:rPr>
-              <a:t>/bin/Release/net6.0-windows/pontoapp.exe</a:t>
-            </a:r>
-            <a:endParaRPr lang="pt-BR" dirty="0">
-              <a:cs typeface="Calibri"/>
-            </a:endParaRPr>
+              <a:t> Industrial.    </a:t>
+            </a:r>
+            <a:r>
+              <a:rPr lang="en-US" sz="2000">
+                <a:ea typeface="+mn-lt"/>
+                <a:cs typeface="+mn-lt"/>
+              </a:rPr>
+              <a:t>²*</a:t>
+            </a:r>
+            <a:r>
+              <a:rPr lang="en-US" sz="1600" err="1">
+                <a:ea typeface="+mn-lt"/>
+                <a:cs typeface="+mn-lt"/>
+              </a:rPr>
+              <a:t>Infraestrutura</a:t>
+            </a:r>
+            <a:r>
+              <a:rPr lang="en-US" sz="1600">
+                <a:ea typeface="+mn-lt"/>
+                <a:cs typeface="+mn-lt"/>
+              </a:rPr>
+              <a:t> de Chaves </a:t>
+            </a:r>
+            <a:r>
+              <a:rPr lang="en-US" sz="1600" err="1">
+                <a:ea typeface="+mn-lt"/>
+                <a:cs typeface="+mn-lt"/>
+              </a:rPr>
+              <a:t>Públicas</a:t>
+            </a:r>
+            <a:r>
+              <a:rPr lang="en-US" sz="1600">
+                <a:ea typeface="+mn-lt"/>
+                <a:cs typeface="+mn-lt"/>
+              </a:rPr>
+              <a:t> Brasileira.    </a:t>
+            </a:r>
+            <a:r>
+              <a:rPr lang="en-US" sz="2000">
+                <a:ea typeface="+mn-lt"/>
+                <a:cs typeface="+mn-lt"/>
+              </a:rPr>
+              <a:t>³*</a:t>
+            </a:r>
+            <a:r>
+              <a:rPr lang="en-US" sz="1600">
+                <a:ea typeface="+mn-lt"/>
+                <a:cs typeface="+mn-lt"/>
+              </a:rPr>
+              <a:t>Hora Legal Brasileira.</a:t>
+            </a:r>
           </a:p>
         </p:txBody>
       </p:sp>
     </p:spTree>
     <p:extLst>
       <p:ext uri="{BB962C8B-B14F-4D97-AF65-F5344CB8AC3E}">
-        <p14:creationId xmlns:p14="http://schemas.microsoft.com/office/powerpoint/2010/main" val="46931897"/>
+        <p14:creationId xmlns:p14="http://schemas.microsoft.com/office/powerpoint/2010/main" val="718223459"/>
       </p:ext>
     </p:extLst>
   </p:cSld>
@@ -5817,6 +6222,1017 @@
       </p:grpSpPr>
       <p:sp useBgFill="1">
         <p:nvSpPr>
+          <p:cNvPr id="14" name="Rectangle 18">
+            <a:extLst>
+              <a:ext uri="{FF2B5EF4-FFF2-40B4-BE49-F238E27FC236}">
+                <a16:creationId xmlns:a16="http://schemas.microsoft.com/office/drawing/2014/main" id="{9D25F302-27C5-414F-97F8-6EA0A6C028BA}"/>
+              </a:ext>
+              <a:ext uri="{C183D7F6-B498-43B3-948B-1728B52AA6E4}">
+                <adec:decorative xmlns:adec="http://schemas.microsoft.com/office/drawing/2017/decorative" val="1"/>
+              </a:ext>
+            </a:extLst>
+          </p:cNvPr>
+          <p:cNvSpPr>
+            <a:spLocks noGrp="1" noRot="1" noChangeAspect="1" noMove="1" noResize="1" noEditPoints="1" noAdjustHandles="1" noChangeArrowheads="1" noChangeShapeType="1" noTextEdit="1"/>
+          </p:cNvSpPr>
+          <p:nvPr>
+            <p:extLst>
+              <p:ext uri="{386F3935-93C4-4BCD-93E2-E3B085C9AB24}">
+                <p16:designElem xmlns:p16="http://schemas.microsoft.com/office/powerpoint/2015/main" val="1"/>
+              </p:ext>
+            </p:extLst>
+          </p:nvPr>
+        </p:nvSpPr>
+        <p:spPr>
+          <a:xfrm>
+            <a:off x="0" y="0"/>
+            <a:ext cx="12192000" cy="6858000"/>
+          </a:xfrm>
+          <a:prstGeom prst="rect">
+            <a:avLst/>
+          </a:prstGeom>
+          <a:ln>
+            <a:noFill/>
+          </a:ln>
+        </p:spPr>
+        <p:style>
+          <a:lnRef idx="2">
+            <a:schemeClr val="accent1">
+              <a:shade val="50000"/>
+            </a:schemeClr>
+          </a:lnRef>
+          <a:fillRef idx="1">
+            <a:schemeClr val="accent1"/>
+          </a:fillRef>
+          <a:effectRef idx="0">
+            <a:schemeClr val="accent1"/>
+          </a:effectRef>
+          <a:fontRef idx="minor">
+            <a:schemeClr val="lt1"/>
+          </a:fontRef>
+        </p:style>
+        <p:txBody>
+          <a:bodyPr rtlCol="0" anchor="ctr"/>
+          <a:lstStyle/>
+          <a:p>
+            <a:pPr algn="ctr"/>
+            <a:endParaRPr lang="en-US"/>
+          </a:p>
+        </p:txBody>
+      </p:sp>
+      <p:pic>
+        <p:nvPicPr>
+          <p:cNvPr id="6" name="Espaço Reservado para Conteúdo 5" descr="Tabela&#10;&#10;Descrição gerada automaticamente">
+            <a:extLst>
+              <a:ext uri="{FF2B5EF4-FFF2-40B4-BE49-F238E27FC236}">
+                <a16:creationId xmlns:a16="http://schemas.microsoft.com/office/drawing/2014/main" id="{C8E11E3C-F171-8D9C-532B-21366623D888}"/>
+              </a:ext>
+            </a:extLst>
+          </p:cNvPr>
+          <p:cNvPicPr>
+            <a:picLocks noChangeAspect="1"/>
+          </p:cNvPicPr>
+          <p:nvPr/>
+        </p:nvPicPr>
+        <p:blipFill>
+          <a:blip r:embed="rId2"/>
+          <a:stretch>
+            <a:fillRect/>
+          </a:stretch>
+        </p:blipFill>
+        <p:spPr>
+          <a:xfrm>
+            <a:off x="621676" y="660723"/>
+            <a:ext cx="5298894" cy="2569963"/>
+          </a:xfrm>
+          <a:prstGeom prst="rect">
+            <a:avLst/>
+          </a:prstGeom>
+        </p:spPr>
+      </p:pic>
+      <p:sp>
+        <p:nvSpPr>
+          <p:cNvPr id="15" name="Right Triangle 20">
+            <a:extLst>
+              <a:ext uri="{FF2B5EF4-FFF2-40B4-BE49-F238E27FC236}">
+                <a16:creationId xmlns:a16="http://schemas.microsoft.com/office/drawing/2014/main" id="{830A36F8-48C2-4842-A87B-8CE8DF4E7FD2}"/>
+              </a:ext>
+              <a:ext uri="{C183D7F6-B498-43B3-948B-1728B52AA6E4}">
+                <adec:decorative xmlns:adec="http://schemas.microsoft.com/office/drawing/2017/decorative" val="1"/>
+              </a:ext>
+            </a:extLst>
+          </p:cNvPr>
+          <p:cNvSpPr>
+            <a:spLocks noGrp="1" noRot="1" noChangeAspect="1" noMove="1" noResize="1" noEditPoints="1" noAdjustHandles="1" noChangeArrowheads="1" noChangeShapeType="1" noTextEdit="1"/>
+          </p:cNvSpPr>
+          <p:nvPr>
+            <p:extLst>
+              <p:ext uri="{386F3935-93C4-4BCD-93E2-E3B085C9AB24}">
+                <p16:designElem xmlns:p16="http://schemas.microsoft.com/office/powerpoint/2015/main" val="1"/>
+              </p:ext>
+            </p:extLst>
+          </p:nvPr>
+        </p:nvSpPr>
+        <p:spPr>
+          <a:xfrm flipH="1">
+            <a:off x="8576720" y="3335867"/>
+            <a:ext cx="3291840" cy="3200400"/>
+          </a:xfrm>
+          <a:prstGeom prst="rtTriangle">
+            <a:avLst/>
+          </a:prstGeom>
+          <a:solidFill>
+            <a:schemeClr val="accent4"/>
+          </a:solidFill>
+          <a:ln>
+            <a:noFill/>
+          </a:ln>
+        </p:spPr>
+        <p:style>
+          <a:lnRef idx="2">
+            <a:schemeClr val="accent1">
+              <a:shade val="50000"/>
+            </a:schemeClr>
+          </a:lnRef>
+          <a:fillRef idx="1">
+            <a:schemeClr val="accent1"/>
+          </a:fillRef>
+          <a:effectRef idx="0">
+            <a:schemeClr val="accent1"/>
+          </a:effectRef>
+          <a:fontRef idx="minor">
+            <a:schemeClr val="lt1"/>
+          </a:fontRef>
+        </p:style>
+        <p:txBody>
+          <a:bodyPr rtlCol="0" anchor="ctr"/>
+          <a:lstStyle/>
+          <a:p>
+            <a:pPr algn="ctr"/>
+            <a:endParaRPr lang="en-US"/>
+          </a:p>
+        </p:txBody>
+      </p:sp>
+      <p:sp>
+        <p:nvSpPr>
+          <p:cNvPr id="17" name="Rectangle 22">
+            <a:extLst>
+              <a:ext uri="{FF2B5EF4-FFF2-40B4-BE49-F238E27FC236}">
+                <a16:creationId xmlns:a16="http://schemas.microsoft.com/office/drawing/2014/main" id="{086A5A31-B10A-4793-84D4-D785959AE5B8}"/>
+              </a:ext>
+              <a:ext uri="{C183D7F6-B498-43B3-948B-1728B52AA6E4}">
+                <adec:decorative xmlns:adec="http://schemas.microsoft.com/office/drawing/2017/decorative" val="1"/>
+              </a:ext>
+            </a:extLst>
+          </p:cNvPr>
+          <p:cNvSpPr>
+            <a:spLocks noGrp="1" noRot="1" noChangeAspect="1" noMove="1" noResize="1" noEditPoints="1" noAdjustHandles="1" noChangeArrowheads="1" noChangeShapeType="1" noTextEdit="1"/>
+          </p:cNvSpPr>
+          <p:nvPr>
+            <p:extLst>
+              <p:ext uri="{386F3935-93C4-4BCD-93E2-E3B085C9AB24}">
+                <p16:designElem xmlns:p16="http://schemas.microsoft.com/office/powerpoint/2015/main" val="1"/>
+              </p:ext>
+            </p:extLst>
+          </p:nvPr>
+        </p:nvSpPr>
+        <p:spPr>
+          <a:xfrm>
+            <a:off x="6405201" y="623275"/>
+            <a:ext cx="5141626" cy="5607882"/>
+          </a:xfrm>
+          <a:prstGeom prst="rect">
+            <a:avLst/>
+          </a:prstGeom>
+          <a:noFill/>
+          <a:ln w="19050">
+            <a:solidFill>
+              <a:schemeClr val="tx1">
+                <a:lumMod val="75000"/>
+                <a:lumOff val="25000"/>
+              </a:schemeClr>
+            </a:solidFill>
+          </a:ln>
+        </p:spPr>
+        <p:style>
+          <a:lnRef idx="2">
+            <a:schemeClr val="accent1">
+              <a:shade val="50000"/>
+            </a:schemeClr>
+          </a:lnRef>
+          <a:fillRef idx="1">
+            <a:schemeClr val="accent1"/>
+          </a:fillRef>
+          <a:effectRef idx="0">
+            <a:schemeClr val="accent1"/>
+          </a:effectRef>
+          <a:fontRef idx="minor">
+            <a:schemeClr val="lt1"/>
+          </a:fontRef>
+        </p:style>
+        <p:txBody>
+          <a:bodyPr rtlCol="0" anchor="ctr"/>
+          <a:lstStyle/>
+          <a:p>
+            <a:pPr algn="ctr"/>
+            <a:endParaRPr lang="en-US"/>
+          </a:p>
+        </p:txBody>
+      </p:sp>
+      <p:sp>
+        <p:nvSpPr>
+          <p:cNvPr id="2" name="Título 1">
+            <a:extLst>
+              <a:ext uri="{FF2B5EF4-FFF2-40B4-BE49-F238E27FC236}">
+                <a16:creationId xmlns:a16="http://schemas.microsoft.com/office/drawing/2014/main" id="{DD0D7F23-9862-3650-A6C9-A143F7A6E594}"/>
+              </a:ext>
+            </a:extLst>
+          </p:cNvPr>
+          <p:cNvSpPr>
+            <a:spLocks noGrp="1"/>
+          </p:cNvSpPr>
+          <p:nvPr>
+            <p:ph type="title"/>
+          </p:nvPr>
+        </p:nvSpPr>
+        <p:spPr>
+          <a:xfrm>
+            <a:off x="7376411" y="1601769"/>
+            <a:ext cx="4218138" cy="3020239"/>
+          </a:xfrm>
+        </p:spPr>
+        <p:txBody>
+          <a:bodyPr vert="horz" lIns="91440" tIns="45720" rIns="91440" bIns="45720" rtlCol="0" anchor="ctr">
+            <a:noAutofit/>
+          </a:bodyPr>
+          <a:lstStyle/>
+          <a:p>
+            <a:r>
+              <a:rPr lang="pt-BR" sz="7200" dirty="0">
+                <a:cs typeface="Calibri Light"/>
+              </a:rPr>
+              <a:t>Plano </a:t>
+            </a:r>
+            <a:br>
+              <a:rPr lang="pt-BR" sz="7200" dirty="0">
+                <a:cs typeface="Calibri Light"/>
+              </a:rPr>
+            </a:br>
+            <a:r>
+              <a:rPr lang="pt-BR" sz="7200" dirty="0">
+                <a:cs typeface="Calibri Light"/>
+              </a:rPr>
+              <a:t>de </a:t>
+            </a:r>
+            <a:br>
+              <a:rPr lang="pt-BR" sz="7200" dirty="0">
+                <a:cs typeface="Calibri Light"/>
+              </a:rPr>
+            </a:br>
+            <a:r>
+              <a:rPr lang="pt-BR" sz="7200" dirty="0">
+                <a:cs typeface="Calibri Light"/>
+              </a:rPr>
+              <a:t>Ação</a:t>
+            </a:r>
+          </a:p>
+        </p:txBody>
+      </p:sp>
+      <p:sp>
+        <p:nvSpPr>
+          <p:cNvPr id="18" name="Content Placeholder 15">
+            <a:extLst>
+              <a:ext uri="{FF2B5EF4-FFF2-40B4-BE49-F238E27FC236}">
+                <a16:creationId xmlns:a16="http://schemas.microsoft.com/office/drawing/2014/main" id="{037EA0AE-E59F-FF3A-E934-9DCC625A4D4E}"/>
+              </a:ext>
+            </a:extLst>
+          </p:cNvPr>
+          <p:cNvSpPr>
+            <a:spLocks noGrp="1"/>
+          </p:cNvSpPr>
+          <p:nvPr>
+            <p:ph idx="1"/>
+          </p:nvPr>
+        </p:nvSpPr>
+        <p:spPr>
+          <a:xfrm>
+            <a:off x="625598" y="3264877"/>
+            <a:ext cx="5293119" cy="3281292"/>
+          </a:xfrm>
+        </p:spPr>
+        <p:txBody>
+          <a:bodyPr anchor="t">
+            <a:normAutofit/>
+          </a:bodyPr>
+          <a:lstStyle/>
+          <a:p>
+            <a:pPr marL="171450" indent="-171450"/>
+            <a:r>
+              <a:rPr lang="en-US" sz="1200">
+                <a:cs typeface="Calibri" panose="020F0502020204030204"/>
+              </a:rPr>
+              <a:t>1 – </a:t>
+            </a:r>
+            <a:r>
+              <a:rPr lang="en-US" sz="1200" err="1">
+                <a:cs typeface="Calibri" panose="020F0502020204030204"/>
+              </a:rPr>
+              <a:t>Desenvolver</a:t>
+            </a:r>
+            <a:r>
+              <a:rPr lang="en-US" sz="1200">
+                <a:cs typeface="Calibri" panose="020F0502020204030204"/>
+              </a:rPr>
+              <a:t> as </a:t>
+            </a:r>
+            <a:r>
+              <a:rPr lang="en-US" sz="1200" err="1">
+                <a:cs typeface="Calibri" panose="020F0502020204030204"/>
+              </a:rPr>
+              <a:t>principais</a:t>
+            </a:r>
+            <a:r>
+              <a:rPr lang="en-US" sz="1200">
+                <a:cs typeface="Calibri" panose="020F0502020204030204"/>
+              </a:rPr>
+              <a:t> </a:t>
+            </a:r>
+            <a:r>
+              <a:rPr lang="en-US" sz="1200" err="1">
+                <a:cs typeface="Calibri" panose="020F0502020204030204"/>
+              </a:rPr>
+              <a:t>ideias</a:t>
+            </a:r>
+            <a:r>
+              <a:rPr lang="en-US" sz="1200">
+                <a:cs typeface="Calibri" panose="020F0502020204030204"/>
+              </a:rPr>
+              <a:t> a </a:t>
+            </a:r>
+            <a:r>
+              <a:rPr lang="en-US" sz="1200" err="1">
+                <a:cs typeface="Calibri" panose="020F0502020204030204"/>
+              </a:rPr>
+              <a:t>serem</a:t>
+            </a:r>
+            <a:r>
+              <a:rPr lang="en-US" sz="1200">
+                <a:cs typeface="Calibri" panose="020F0502020204030204"/>
+              </a:rPr>
+              <a:t> </a:t>
+            </a:r>
+            <a:r>
+              <a:rPr lang="en-US" sz="1200" err="1">
+                <a:cs typeface="Calibri" panose="020F0502020204030204"/>
+              </a:rPr>
+              <a:t>aplicadas</a:t>
+            </a:r>
+            <a:r>
+              <a:rPr lang="en-US" sz="1200">
+                <a:cs typeface="Calibri" panose="020F0502020204030204"/>
+              </a:rPr>
+              <a:t> no </a:t>
+            </a:r>
+            <a:r>
+              <a:rPr lang="en-US" sz="1200" err="1">
+                <a:cs typeface="Calibri" panose="020F0502020204030204"/>
+              </a:rPr>
+              <a:t>programa</a:t>
+            </a:r>
+            <a:endParaRPr lang="en-US" sz="1200">
+              <a:cs typeface="Calibri" panose="020F0502020204030204"/>
+            </a:endParaRPr>
+          </a:p>
+          <a:p>
+            <a:pPr marL="171450" indent="-171450"/>
+            <a:r>
+              <a:rPr lang="en-US" sz="1200">
+                <a:cs typeface="Calibri" panose="020F0502020204030204"/>
+              </a:rPr>
+              <a:t>2 – </a:t>
+            </a:r>
+            <a:r>
+              <a:rPr lang="en-US" sz="1200" err="1">
+                <a:cs typeface="Calibri" panose="020F0502020204030204"/>
+              </a:rPr>
+              <a:t>Analisar</a:t>
+            </a:r>
+            <a:r>
+              <a:rPr lang="en-US" sz="1200">
+                <a:cs typeface="Calibri" panose="020F0502020204030204"/>
+              </a:rPr>
+              <a:t> o </a:t>
+            </a:r>
+            <a:r>
+              <a:rPr lang="en-US" sz="1200" err="1">
+                <a:cs typeface="Calibri" panose="020F0502020204030204"/>
+              </a:rPr>
+              <a:t>funcionamento</a:t>
+            </a:r>
+            <a:r>
+              <a:rPr lang="en-US" sz="1200">
+                <a:cs typeface="Calibri" panose="020F0502020204030204"/>
+              </a:rPr>
+              <a:t> do mercado, </a:t>
+            </a:r>
+            <a:r>
+              <a:rPr lang="en-US" sz="1200" err="1">
+                <a:cs typeface="Calibri" panose="020F0502020204030204"/>
+              </a:rPr>
+              <a:t>os</a:t>
+            </a:r>
+            <a:r>
+              <a:rPr lang="en-US" sz="1200">
+                <a:cs typeface="Calibri" panose="020F0502020204030204"/>
+              </a:rPr>
+              <a:t> </a:t>
+            </a:r>
+            <a:r>
+              <a:rPr lang="en-US" sz="1200" err="1">
+                <a:cs typeface="Calibri" panose="020F0502020204030204"/>
+              </a:rPr>
+              <a:t>concorrentes</a:t>
+            </a:r>
+            <a:r>
+              <a:rPr lang="en-US" sz="1200">
+                <a:cs typeface="Calibri" panose="020F0502020204030204"/>
+              </a:rPr>
+              <a:t>, as </a:t>
+            </a:r>
+            <a:r>
+              <a:rPr lang="en-US" sz="1200" err="1">
+                <a:cs typeface="Calibri" panose="020F0502020204030204"/>
+              </a:rPr>
+              <a:t>funcionalidades</a:t>
+            </a:r>
+            <a:r>
+              <a:rPr lang="en-US" sz="1200">
+                <a:cs typeface="Calibri" panose="020F0502020204030204"/>
+              </a:rPr>
+              <a:t> e as leis </a:t>
+            </a:r>
+            <a:r>
+              <a:rPr lang="en-US" sz="1200" err="1">
+                <a:cs typeface="Calibri" panose="020F0502020204030204"/>
+              </a:rPr>
+              <a:t>na</a:t>
+            </a:r>
+            <a:r>
+              <a:rPr lang="en-US" sz="1200">
+                <a:cs typeface="Calibri" panose="020F0502020204030204"/>
+              </a:rPr>
+              <a:t> </a:t>
+            </a:r>
+            <a:r>
+              <a:rPr lang="en-US" sz="1200" err="1">
+                <a:cs typeface="Calibri" panose="020F0502020204030204"/>
+              </a:rPr>
+              <a:t>área</a:t>
+            </a:r>
+            <a:r>
+              <a:rPr lang="en-US" sz="1200">
+                <a:cs typeface="Calibri" panose="020F0502020204030204"/>
+              </a:rPr>
+              <a:t> do </a:t>
+            </a:r>
+            <a:r>
+              <a:rPr lang="en-US" sz="1200" err="1">
+                <a:cs typeface="Calibri" panose="020F0502020204030204"/>
+              </a:rPr>
+              <a:t>programa</a:t>
+            </a:r>
+            <a:r>
+              <a:rPr lang="en-US" sz="1200">
+                <a:cs typeface="Calibri" panose="020F0502020204030204"/>
+              </a:rPr>
+              <a:t>.</a:t>
+            </a:r>
+          </a:p>
+          <a:p>
+            <a:pPr marL="171450" indent="-171450"/>
+            <a:r>
+              <a:rPr lang="en-US" sz="1200">
+                <a:cs typeface="Calibri" panose="020F0502020204030204"/>
+              </a:rPr>
+              <a:t>3 – </a:t>
+            </a:r>
+            <a:r>
+              <a:rPr lang="en-US" sz="1200" err="1">
+                <a:cs typeface="Calibri" panose="020F0502020204030204"/>
+              </a:rPr>
+              <a:t>Desenvolver</a:t>
+            </a:r>
+            <a:r>
+              <a:rPr lang="en-US" sz="1200">
+                <a:cs typeface="Calibri" panose="020F0502020204030204"/>
+              </a:rPr>
+              <a:t> a </a:t>
+            </a:r>
+            <a:r>
+              <a:rPr lang="en-US" sz="1200" err="1">
+                <a:cs typeface="Calibri" panose="020F0502020204030204"/>
+              </a:rPr>
+              <a:t>primeira</a:t>
+            </a:r>
+            <a:r>
+              <a:rPr lang="en-US" sz="1200">
+                <a:cs typeface="Calibri" panose="020F0502020204030204"/>
+              </a:rPr>
+              <a:t> </a:t>
+            </a:r>
+            <a:r>
+              <a:rPr lang="en-US" sz="1200" err="1">
+                <a:cs typeface="Calibri" panose="020F0502020204030204"/>
+              </a:rPr>
+              <a:t>versão</a:t>
+            </a:r>
+            <a:r>
+              <a:rPr lang="en-US" sz="1200">
+                <a:cs typeface="Calibri" panose="020F0502020204030204"/>
+              </a:rPr>
+              <a:t> com as </a:t>
+            </a:r>
+            <a:r>
+              <a:rPr lang="en-US" sz="1200" err="1">
+                <a:cs typeface="Calibri" panose="020F0502020204030204"/>
+              </a:rPr>
+              <a:t>funcionalidades</a:t>
+            </a:r>
+            <a:r>
+              <a:rPr lang="en-US" sz="1200">
+                <a:cs typeface="Calibri" panose="020F0502020204030204"/>
+              </a:rPr>
+              <a:t> </a:t>
+            </a:r>
+            <a:r>
+              <a:rPr lang="en-US" sz="1200" err="1">
+                <a:cs typeface="Calibri" panose="020F0502020204030204"/>
+              </a:rPr>
+              <a:t>mais</a:t>
+            </a:r>
+            <a:r>
+              <a:rPr lang="en-US" sz="1200">
+                <a:cs typeface="Calibri" panose="020F0502020204030204"/>
+              </a:rPr>
+              <a:t> </a:t>
+            </a:r>
+            <a:r>
+              <a:rPr lang="en-US" sz="1200" err="1">
+                <a:cs typeface="Calibri" panose="020F0502020204030204"/>
+              </a:rPr>
+              <a:t>importantes</a:t>
+            </a:r>
+            <a:r>
+              <a:rPr lang="en-US" sz="1200">
+                <a:cs typeface="Calibri" panose="020F0502020204030204"/>
+              </a:rPr>
+              <a:t> do </a:t>
+            </a:r>
+            <a:r>
+              <a:rPr lang="en-US" sz="1200" err="1">
+                <a:cs typeface="Calibri" panose="020F0502020204030204"/>
+              </a:rPr>
+              <a:t>programa</a:t>
+            </a:r>
+            <a:r>
+              <a:rPr lang="en-US" sz="1200">
+                <a:cs typeface="Calibri" panose="020F0502020204030204"/>
+              </a:rPr>
+              <a:t>.</a:t>
+            </a:r>
+          </a:p>
+          <a:p>
+            <a:pPr marL="171450" indent="-171450"/>
+            <a:r>
+              <a:rPr lang="en-US" sz="1200">
+                <a:cs typeface="Calibri" panose="020F0502020204030204"/>
+              </a:rPr>
+              <a:t>4 – </a:t>
+            </a:r>
+            <a:r>
+              <a:rPr lang="en-US" sz="1200" err="1">
+                <a:cs typeface="Calibri" panose="020F0502020204030204"/>
+              </a:rPr>
+              <a:t>Criar</a:t>
+            </a:r>
+            <a:r>
+              <a:rPr lang="en-US" sz="1200">
+                <a:cs typeface="Calibri" panose="020F0502020204030204"/>
+              </a:rPr>
+              <a:t> um banco de dados para </a:t>
+            </a:r>
+            <a:r>
+              <a:rPr lang="en-US" sz="1200" err="1">
+                <a:cs typeface="Calibri" panose="020F0502020204030204"/>
+              </a:rPr>
+              <a:t>armazenar</a:t>
+            </a:r>
+            <a:r>
+              <a:rPr lang="en-US" sz="1200">
+                <a:cs typeface="Calibri" panose="020F0502020204030204"/>
+              </a:rPr>
+              <a:t> as </a:t>
+            </a:r>
+            <a:r>
+              <a:rPr lang="en-US" sz="1200" err="1">
+                <a:cs typeface="Calibri" panose="020F0502020204030204"/>
+              </a:rPr>
+              <a:t>informações</a:t>
+            </a:r>
+            <a:r>
+              <a:rPr lang="en-US" sz="1200">
+                <a:cs typeface="Calibri" panose="020F0502020204030204"/>
+              </a:rPr>
+              <a:t> dos </a:t>
+            </a:r>
+            <a:r>
+              <a:rPr lang="en-US" sz="1200" err="1">
+                <a:cs typeface="Calibri" panose="020F0502020204030204"/>
+              </a:rPr>
+              <a:t>usuários</a:t>
+            </a:r>
+            <a:endParaRPr lang="en-US" sz="1200">
+              <a:cs typeface="Calibri" panose="020F0502020204030204"/>
+            </a:endParaRPr>
+          </a:p>
+          <a:p>
+            <a:pPr marL="171450" indent="-171450"/>
+            <a:r>
+              <a:rPr lang="en-US" sz="1200">
+                <a:cs typeface="Calibri" panose="020F0502020204030204"/>
+              </a:rPr>
+              <a:t>5 – </a:t>
+            </a:r>
+            <a:r>
+              <a:rPr lang="en-US" sz="1200" err="1">
+                <a:cs typeface="Calibri" panose="020F0502020204030204"/>
+              </a:rPr>
+              <a:t>Documentar</a:t>
+            </a:r>
+            <a:r>
+              <a:rPr lang="en-US" sz="1200">
+                <a:cs typeface="Calibri" panose="020F0502020204030204"/>
+              </a:rPr>
+              <a:t> o </a:t>
+            </a:r>
+            <a:r>
+              <a:rPr lang="en-US" sz="1200" err="1">
+                <a:cs typeface="Calibri" panose="020F0502020204030204"/>
+              </a:rPr>
+              <a:t>andamento</a:t>
+            </a:r>
+            <a:r>
+              <a:rPr lang="en-US" sz="1200">
+                <a:cs typeface="Calibri" panose="020F0502020204030204"/>
+              </a:rPr>
+              <a:t> do </a:t>
+            </a:r>
+            <a:r>
+              <a:rPr lang="en-US" sz="1200" err="1">
+                <a:cs typeface="Calibri" panose="020F0502020204030204"/>
+              </a:rPr>
+              <a:t>projeto</a:t>
+            </a:r>
+            <a:endParaRPr lang="en-US" sz="1200">
+              <a:cs typeface="Calibri" panose="020F0502020204030204"/>
+            </a:endParaRPr>
+          </a:p>
+          <a:p>
+            <a:pPr marL="171450" indent="-171450"/>
+            <a:r>
+              <a:rPr lang="en-US" sz="1200">
+                <a:cs typeface="Calibri" panose="020F0502020204030204"/>
+              </a:rPr>
+              <a:t>6 – </a:t>
+            </a:r>
+            <a:r>
+              <a:rPr lang="en-US" sz="1200" err="1">
+                <a:cs typeface="Calibri" panose="020F0502020204030204"/>
+              </a:rPr>
+              <a:t>Colocar</a:t>
+            </a:r>
+            <a:r>
+              <a:rPr lang="en-US" sz="1200">
+                <a:cs typeface="Calibri" panose="020F0502020204030204"/>
+              </a:rPr>
+              <a:t> o banco de dados e a rede social </a:t>
+            </a:r>
+            <a:r>
+              <a:rPr lang="en-US" sz="1200" err="1">
+                <a:cs typeface="Calibri" panose="020F0502020204030204"/>
+              </a:rPr>
+              <a:t>em</a:t>
+            </a:r>
+            <a:r>
+              <a:rPr lang="en-US" sz="1200">
+                <a:cs typeface="Calibri" panose="020F0502020204030204"/>
+              </a:rPr>
+              <a:t> um </a:t>
+            </a:r>
+            <a:r>
+              <a:rPr lang="en-US" sz="1200" err="1">
+                <a:cs typeface="Calibri" panose="020F0502020204030204"/>
+              </a:rPr>
+              <a:t>servidor</a:t>
+            </a:r>
+            <a:endParaRPr lang="en-US" sz="1200">
+              <a:cs typeface="Calibri" panose="020F0502020204030204"/>
+            </a:endParaRPr>
+          </a:p>
+          <a:p>
+            <a:pPr marL="171450" indent="-171450"/>
+            <a:r>
+              <a:rPr lang="en-US" sz="1200">
+                <a:cs typeface="Calibri" panose="020F0502020204030204"/>
+              </a:rPr>
+              <a:t>7 – </a:t>
+            </a:r>
+            <a:r>
+              <a:rPr lang="en-US" sz="1200" err="1">
+                <a:cs typeface="Calibri" panose="020F0502020204030204"/>
+              </a:rPr>
+              <a:t>Documentar</a:t>
+            </a:r>
+            <a:r>
+              <a:rPr lang="en-US" sz="1200">
+                <a:cs typeface="Calibri" panose="020F0502020204030204"/>
+              </a:rPr>
+              <a:t> o </a:t>
+            </a:r>
+            <a:r>
+              <a:rPr lang="en-US" sz="1200" err="1">
+                <a:cs typeface="Calibri" panose="020F0502020204030204"/>
+              </a:rPr>
+              <a:t>andamento</a:t>
+            </a:r>
+            <a:r>
+              <a:rPr lang="en-US" sz="1200">
+                <a:cs typeface="Calibri" panose="020F0502020204030204"/>
+              </a:rPr>
+              <a:t> do </a:t>
+            </a:r>
+            <a:r>
+              <a:rPr lang="en-US" sz="1200" err="1">
+                <a:cs typeface="Calibri" panose="020F0502020204030204"/>
+              </a:rPr>
+              <a:t>projeto</a:t>
+            </a:r>
+            <a:endParaRPr lang="en-US" sz="1200">
+              <a:cs typeface="Calibri" panose="020F0502020204030204"/>
+            </a:endParaRPr>
+          </a:p>
+          <a:p>
+            <a:pPr marL="171450" indent="-171450"/>
+            <a:r>
+              <a:rPr lang="en-US" sz="1200">
+                <a:cs typeface="Calibri" panose="020F0502020204030204"/>
+              </a:rPr>
+              <a:t>8 – </a:t>
+            </a:r>
+            <a:r>
+              <a:rPr lang="en-US" sz="1200" err="1">
+                <a:cs typeface="Calibri" panose="020F0502020204030204"/>
+              </a:rPr>
+              <a:t>Certificar</a:t>
+            </a:r>
+            <a:r>
+              <a:rPr lang="en-US" sz="1200">
+                <a:cs typeface="Calibri" panose="020F0502020204030204"/>
+              </a:rPr>
+              <a:t> que </a:t>
+            </a:r>
+            <a:r>
+              <a:rPr lang="en-US" sz="1200" err="1">
+                <a:cs typeface="Calibri" panose="020F0502020204030204"/>
+              </a:rPr>
+              <a:t>o</a:t>
+            </a:r>
+            <a:r>
+              <a:rPr lang="en-US" sz="1200">
+                <a:cs typeface="Calibri" panose="020F0502020204030204"/>
+              </a:rPr>
+              <a:t> </a:t>
+            </a:r>
+            <a:r>
+              <a:rPr lang="en-US" sz="1200" err="1">
+                <a:cs typeface="Calibri" panose="020F0502020204030204"/>
+              </a:rPr>
+              <a:t>programa</a:t>
+            </a:r>
+            <a:r>
+              <a:rPr lang="en-US" sz="1200">
+                <a:cs typeface="Calibri" panose="020F0502020204030204"/>
+              </a:rPr>
+              <a:t> </a:t>
+            </a:r>
+            <a:r>
+              <a:rPr lang="en-US" sz="1200" err="1">
+                <a:cs typeface="Calibri" panose="020F0502020204030204"/>
+              </a:rPr>
+              <a:t>atenda</a:t>
+            </a:r>
+            <a:r>
+              <a:rPr lang="en-US" sz="1200">
+                <a:cs typeface="Calibri" panose="020F0502020204030204"/>
+              </a:rPr>
+              <a:t> </a:t>
+            </a:r>
+            <a:r>
+              <a:rPr lang="en-US" sz="1200" err="1">
+                <a:cs typeface="Calibri" panose="020F0502020204030204"/>
+              </a:rPr>
+              <a:t>todas</a:t>
+            </a:r>
+            <a:r>
+              <a:rPr lang="en-US" sz="1200">
+                <a:cs typeface="Calibri" panose="020F0502020204030204"/>
+              </a:rPr>
+              <a:t> as </a:t>
+            </a:r>
+            <a:r>
+              <a:rPr lang="en-US" sz="1200" err="1">
+                <a:cs typeface="Calibri" panose="020F0502020204030204"/>
+              </a:rPr>
+              <a:t>requisições</a:t>
+            </a:r>
+            <a:r>
+              <a:rPr lang="en-US" sz="1200">
+                <a:cs typeface="Calibri" panose="020F0502020204030204"/>
+              </a:rPr>
+              <a:t> das leis </a:t>
+            </a:r>
+            <a:r>
+              <a:rPr lang="en-US" sz="1200" err="1">
+                <a:cs typeface="Calibri" panose="020F0502020204030204"/>
+              </a:rPr>
+              <a:t>trabalhistas</a:t>
+            </a:r>
+            <a:endParaRPr lang="en-US" sz="1200">
+              <a:cs typeface="Calibri" panose="020F0502020204030204"/>
+            </a:endParaRPr>
+          </a:p>
+          <a:p>
+            <a:pPr marL="171450" indent="-171450"/>
+            <a:r>
+              <a:rPr lang="en-US" sz="1200">
+                <a:cs typeface="Calibri" panose="020F0502020204030204"/>
+              </a:rPr>
+              <a:t>9 – </a:t>
+            </a:r>
+            <a:r>
+              <a:rPr lang="en-US" sz="1200" err="1">
+                <a:cs typeface="Calibri" panose="020F0502020204030204"/>
+              </a:rPr>
+              <a:t>Verificar</a:t>
+            </a:r>
+            <a:r>
+              <a:rPr lang="en-US" sz="1200">
+                <a:cs typeface="Calibri" panose="020F0502020204030204"/>
+              </a:rPr>
+              <a:t> se </a:t>
+            </a:r>
+            <a:r>
+              <a:rPr lang="en-US" sz="1200" err="1">
+                <a:cs typeface="Calibri" panose="020F0502020204030204"/>
+              </a:rPr>
+              <a:t>todos</a:t>
+            </a:r>
+            <a:r>
+              <a:rPr lang="en-US" sz="1200">
+                <a:cs typeface="Calibri" panose="020F0502020204030204"/>
+              </a:rPr>
+              <a:t> </a:t>
+            </a:r>
+            <a:r>
+              <a:rPr lang="en-US" sz="1200" err="1">
+                <a:cs typeface="Calibri" panose="020F0502020204030204"/>
+              </a:rPr>
+              <a:t>os</a:t>
+            </a:r>
+            <a:r>
+              <a:rPr lang="en-US" sz="1200">
+                <a:cs typeface="Calibri" panose="020F0502020204030204"/>
+              </a:rPr>
+              <a:t> </a:t>
+            </a:r>
+            <a:r>
+              <a:rPr lang="en-US" sz="1200" err="1">
+                <a:cs typeface="Calibri" panose="020F0502020204030204"/>
+              </a:rPr>
+              <a:t>recursos</a:t>
+            </a:r>
+            <a:r>
+              <a:rPr lang="en-US" sz="1200">
+                <a:cs typeface="Calibri" panose="020F0502020204030204"/>
+              </a:rPr>
+              <a:t> </a:t>
+            </a:r>
+            <a:r>
+              <a:rPr lang="en-US" sz="1200" err="1">
+                <a:cs typeface="Calibri" panose="020F0502020204030204"/>
+              </a:rPr>
+              <a:t>funcionam</a:t>
+            </a:r>
+            <a:r>
+              <a:rPr lang="en-US" sz="1200">
+                <a:cs typeface="Calibri" panose="020F0502020204030204"/>
+              </a:rPr>
+              <a:t> </a:t>
+            </a:r>
+            <a:r>
+              <a:rPr lang="en-US" sz="1200" err="1">
+                <a:cs typeface="Calibri" panose="020F0502020204030204"/>
+              </a:rPr>
+              <a:t>perfeitamente</a:t>
+            </a:r>
+            <a:endParaRPr lang="en-US" sz="1200">
+              <a:cs typeface="Calibri" panose="020F0502020204030204"/>
+            </a:endParaRPr>
+          </a:p>
+          <a:p>
+            <a:pPr marL="171450" indent="-171450"/>
+            <a:r>
+              <a:rPr lang="en-US" sz="1200">
+                <a:cs typeface="Calibri" panose="020F0502020204030204"/>
+              </a:rPr>
+              <a:t>10 – </a:t>
+            </a:r>
+            <a:r>
+              <a:rPr lang="en-US" sz="1200" err="1">
+                <a:cs typeface="Calibri" panose="020F0502020204030204"/>
+              </a:rPr>
+              <a:t>Documentar</a:t>
+            </a:r>
+            <a:r>
+              <a:rPr lang="en-US" sz="1200">
+                <a:cs typeface="Calibri" panose="020F0502020204030204"/>
+              </a:rPr>
+              <a:t> o </a:t>
+            </a:r>
+            <a:r>
+              <a:rPr lang="en-US" sz="1200" err="1">
+                <a:cs typeface="Calibri" panose="020F0502020204030204"/>
+              </a:rPr>
+              <a:t>projeto</a:t>
+            </a:r>
+            <a:r>
+              <a:rPr lang="en-US" sz="1200">
+                <a:cs typeface="Calibri" panose="020F0502020204030204"/>
+              </a:rPr>
+              <a:t> </a:t>
+            </a:r>
+            <a:r>
+              <a:rPr lang="en-US" sz="1200" err="1">
+                <a:cs typeface="Calibri" panose="020F0502020204030204"/>
+              </a:rPr>
+              <a:t>completamente</a:t>
+            </a:r>
+            <a:endParaRPr lang="en-US" sz="1200">
+              <a:cs typeface="Calibri" panose="020F0502020204030204"/>
+            </a:endParaRPr>
+          </a:p>
+        </p:txBody>
+      </p:sp>
+    </p:spTree>
+    <p:extLst>
+      <p:ext uri="{BB962C8B-B14F-4D97-AF65-F5344CB8AC3E}">
+        <p14:creationId xmlns:p14="http://schemas.microsoft.com/office/powerpoint/2010/main" val="46931897"/>
+      </p:ext>
+    </p:extLst>
+  </p:cSld>
+  <p:clrMapOvr>
+    <a:masterClrMapping/>
+  </p:clrMapOvr>
+</p:sld>
+</file>
+
+<file path=ppt/slides/slide6.xml><?xml version="1.0" encoding="utf-8"?>
+<p:sld xmlns:a="http://schemas.openxmlformats.org/drawingml/2006/main" xmlns:r="http://schemas.openxmlformats.org/officeDocument/2006/relationships" xmlns:p="http://schemas.openxmlformats.org/presentationml/2006/main">
+  <p:cSld>
+    <p:bg>
+      <p:bgPr>
+        <a:solidFill>
+          <a:schemeClr val="bg1"/>
+        </a:solidFill>
+        <a:effectLst/>
+      </p:bgPr>
+    </p:bg>
+    <p:spTree>
+      <p:nvGrpSpPr>
+        <p:cNvPr id="1" name=""/>
+        <p:cNvGrpSpPr/>
+        <p:nvPr/>
+      </p:nvGrpSpPr>
+      <p:grpSpPr>
+        <a:xfrm>
+          <a:off x="0" y="0"/>
+          <a:ext cx="0" cy="0"/>
+          <a:chOff x="0" y="0"/>
+          <a:chExt cx="0" cy="0"/>
+        </a:xfrm>
+      </p:grpSpPr>
+      <p:sp useBgFill="1">
+        <p:nvSpPr>
           <p:cNvPr id="8" name="Rectangle 7">
             <a:extLst>
               <a:ext uri="{FF2B5EF4-FFF2-40B4-BE49-F238E27FC236}">
@@ -5975,24 +7391,7 @@
                 </a:solidFill>
                 <a:cs typeface="Calibri Light"/>
               </a:rPr>
-              <a:t>Planos de Uso </a:t>
-            </a:r>
-            <a:br>
-              <a:rPr lang="pt-BR" dirty="0">
-                <a:solidFill>
-                  <a:srgbClr val="FFFFFF"/>
-                </a:solidFill>
-                <a:cs typeface="Calibri Light"/>
-              </a:rPr>
-            </a:br>
-            <a:r>
-              <a:rPr lang="pt-BR" dirty="0">
-                <a:solidFill>
-                  <a:srgbClr val="FFFFFF"/>
-                </a:solidFill>
-                <a:cs typeface="Calibri Light"/>
-              </a:rPr>
-              <a:t>e Perspectivas Futuras</a:t>
+              <a:t>Recursos Esperados e Perspectivas Futuras</a:t>
             </a:r>
             <a:endParaRPr lang="pt-BR" dirty="0">
               <a:solidFill>
@@ -6388,7 +7787,7 @@
         <p:spPr>
           <a:xfrm>
             <a:off x="6096000" y="820880"/>
-            <a:ext cx="5358440" cy="4414897"/>
+            <a:ext cx="5358440" cy="5018559"/>
           </a:xfrm>
         </p:spPr>
         <p:txBody>
@@ -6398,7 +7797,7 @@
           <a:lstStyle/>
           <a:p>
             <a:r>
-              <a:rPr lang="pt-BR" dirty="0">
+              <a:rPr lang="pt-BR">
                 <a:cs typeface="Calibri"/>
               </a:rPr>
               <a:t>Implementar em Python</a:t>
@@ -6406,7 +7805,7 @@
           </a:p>
           <a:p>
             <a:r>
-              <a:rPr lang="pt-BR" dirty="0">
+              <a:rPr lang="pt-BR">
                 <a:cs typeface="Calibri"/>
               </a:rPr>
               <a:t>Exportar dados para planilhas do Excel e hospedar online</a:t>
@@ -6415,19 +7814,27 @@
           </a:p>
           <a:p>
             <a:r>
-              <a:rPr lang="pt-BR" dirty="0">
+              <a:rPr lang="pt-BR">
                 <a:cs typeface="Calibri"/>
               </a:rPr>
+              <a:t>Desenvolver um ambiente de interação entre os usuários*</a:t>
+            </a:r>
+          </a:p>
+          <a:p>
+            <a:r>
+              <a:rPr lang="pt-BR">
+                <a:cs typeface="Calibri"/>
+              </a:rPr>
               <a:t>Adicionar algum novo recurso de leitura, como QR </a:t>
             </a:r>
             <a:r>
-              <a:rPr lang="pt-BR" dirty="0" err="1">
+              <a:rPr lang="pt-BR" err="1">
                 <a:cs typeface="Calibri"/>
               </a:rPr>
               <a:t>Code</a:t>
             </a:r>
             <a:r>
-              <a:rPr lang="pt-BR" dirty="0">
+              <a:rPr lang="pt-BR">
                 <a:cs typeface="Calibri"/>
               </a:rPr>
               <a:t>, Endereço IP ou Geolocalização.</a:t>
@@ -6435,18 +7842,18 @@
           </a:p>
           <a:p>
             <a:r>
-              <a:rPr lang="pt-BR" dirty="0">
+              <a:rPr lang="pt-BR">
                 <a:cs typeface="Calibri"/>
               </a:rPr>
-              <a:t>Instalar o programa nos computadores da faculdade</a:t>
-            </a:r>
-          </a:p>
-          <a:p>
-            <a:r>
-              <a:rPr lang="pt-BR" dirty="0">
+              <a:t>Instalar o programa nos computadores do instituto</a:t>
+            </a:r>
+          </a:p>
+          <a:p>
+            <a:r>
+              <a:rPr lang="pt-BR">
                 <a:cs typeface="Calibri"/>
               </a:rPr>
-              <a:t>Tentar usar esse sistema como alternativa para as chamadas</a:t>
+              <a:t>Tentar usar esse sistema como alternativa para as chamadas*</a:t>
             </a:r>
           </a:p>
         </p:txBody>
@@ -7037,7 +8444,7 @@
           <a:lstStyle/>
           <a:p>
             <a:pPr algn="ctr"/>
-            <a:endParaRPr lang="en-US" dirty="0"/>
+            <a:endParaRPr lang="en-US"/>
           </a:p>
         </p:txBody>
       </p:sp>
@@ -7054,7 +8461,7 @@
 </p:sld>
 </file>
 
-<file path=ppt/slides/slide6.xml><?xml version="1.0" encoding="utf-8"?>
+<file path=ppt/slides/slide7.xml><?xml version="1.0" encoding="utf-8"?>
 <p:sld xmlns:a="http://schemas.openxmlformats.org/drawingml/2006/main" xmlns:r="http://schemas.openxmlformats.org/officeDocument/2006/relationships" xmlns:p="http://schemas.openxmlformats.org/presentationml/2006/main">
   <p:cSld>
     <p:bg>
@@ -7302,7 +8709,7 @@
           <a:lstStyle/>
           <a:p>
             <a:r>
-              <a:rPr lang="pt-BR" dirty="0">
+              <a:rPr lang="pt-BR">
                 <a:solidFill>
                   <a:srgbClr val="FFFFFF"/>
                 </a:solidFill>
@@ -7310,7 +8717,7 @@
               </a:rPr>
               <a:t>Fim!</a:t>
             </a:r>
-            <a:endParaRPr lang="pt-BR" dirty="0">
+            <a:endParaRPr lang="pt-BR">
               <a:solidFill>
                 <a:srgbClr val="FFFFFF"/>
               </a:solidFill>
@@ -7375,7 +8782,7 @@
           <a:lstStyle/>
           <a:p>
             <a:pPr algn="ctr"/>
-            <a:endParaRPr lang="en-US" dirty="0"/>
+            <a:endParaRPr lang="en-US"/>
           </a:p>
         </p:txBody>
       </p:sp>
@@ -7411,7 +8818,7 @@
               <a:buNone/>
             </a:pPr>
             <a:r>
-              <a:rPr lang="pt-BR" dirty="0">
+              <a:rPr lang="pt-BR">
                 <a:cs typeface="Calibri"/>
               </a:rPr>
               <a:t>Muito obrigado pela atenção!</a:t>
